--- a/vkr_docs/Presentation_Sintsova.pptx
+++ b/vkr_docs/Presentation_Sintsova.pptx
@@ -18324,30 +18324,30 @@
       </p:pic>
       <p:pic>
         <p:nvPicPr>
-          <p:cNvPr id="361" name="Google Shape;361;p24"/>
-          <p:cNvPicPr preferRelativeResize="0"/>
+          <p:cNvPr id="7" name="Рисунок 6">
+            <a:extLst>
+              <a:ext uri="{FF2B5EF4-FFF2-40B4-BE49-F238E27FC236}">
+                <a16:creationId xmlns:a16="http://schemas.microsoft.com/office/drawing/2014/main" id="{ECF79051-DEC0-4DA1-B0C2-BA67424C35E5}"/>
+              </a:ext>
+            </a:extLst>
+          </p:cNvPr>
+          <p:cNvPicPr/>
           <p:nvPr/>
         </p:nvPicPr>
         <p:blipFill>
-          <a:blip r:embed="rId4">
-            <a:alphaModFix/>
-          </a:blip>
+          <a:blip r:embed="rId4"/>
           <a:stretch>
             <a:fillRect/>
           </a:stretch>
         </p:blipFill>
         <p:spPr>
           <a:xfrm>
-            <a:off x="4673473" y="2019425"/>
-            <a:ext cx="4267202" cy="2656460"/>
+            <a:off x="4735255" y="1960250"/>
+            <a:ext cx="4146475" cy="2892350"/>
           </a:xfrm>
           <a:prstGeom prst="rect">
             <a:avLst/>
           </a:prstGeom>
-          <a:noFill/>
-          <a:ln>
-            <a:noFill/>
-          </a:ln>
         </p:spPr>
       </p:pic>
     </p:spTree>
